--- a/images/logohorz.pptx
+++ b/images/logohorz.pptx
@@ -6,7 +6,8 @@
   </p:sldMasterIdLst>
   <p:sldIdLst>
     <p:sldId id="258" r:id="rId2"/>
-    <p:sldId id="257" r:id="rId3"/>
+    <p:sldId id="259" r:id="rId3"/>
+    <p:sldId id="257" r:id="rId4"/>
   </p:sldIdLst>
   <p:sldSz cx="9236075" cy="914400"/>
   <p:notesSz cx="6858000" cy="9144000"/>
@@ -105,6 +106,22 @@
       </a:defRPr>
     </a:lvl9pPr>
   </p:defaultTextStyle>
+  <p:extLst>
+    <p:ext uri="{EFAFB233-063F-42B5-8137-9DF3F51BA10A}">
+      <p15:sldGuideLst xmlns:p15="http://schemas.microsoft.com/office/powerpoint/2012/main">
+        <p15:guide id="1" orient="horz" pos="289">
+          <p15:clr>
+            <a:srgbClr val="A4A3A4"/>
+          </p15:clr>
+        </p15:guide>
+        <p15:guide id="2" pos="2910">
+          <p15:clr>
+            <a:srgbClr val="A4A3A4"/>
+          </p15:clr>
+        </p15:guide>
+      </p15:sldGuideLst>
+    </p:ext>
+  </p:extLst>
 </p:presentation>
 </file>
 
@@ -289,7 +306,7 @@
           <a:p>
             <a:fld id="{A3D4263D-D8FD-41A1-B34B-B8FE19563AD6}" type="datetimeFigureOut">
               <a:rPr lang="en-US" smtClean="0"/>
-              <a:t>2/17/2015</a:t>
+              <a:t>10/1/2016</a:t>
             </a:fld>
             <a:endParaRPr lang="en-US"/>
           </a:p>
@@ -459,7 +476,7 @@
           <a:p>
             <a:fld id="{A3D4263D-D8FD-41A1-B34B-B8FE19563AD6}" type="datetimeFigureOut">
               <a:rPr lang="en-US" smtClean="0"/>
-              <a:t>2/17/2015</a:t>
+              <a:t>10/1/2016</a:t>
             </a:fld>
             <a:endParaRPr lang="en-US"/>
           </a:p>
@@ -639,7 +656,7 @@
           <a:p>
             <a:fld id="{A3D4263D-D8FD-41A1-B34B-B8FE19563AD6}" type="datetimeFigureOut">
               <a:rPr lang="en-US" smtClean="0"/>
-              <a:t>2/17/2015</a:t>
+              <a:t>10/1/2016</a:t>
             </a:fld>
             <a:endParaRPr lang="en-US"/>
           </a:p>
@@ -809,7 +826,7 @@
           <a:p>
             <a:fld id="{A3D4263D-D8FD-41A1-B34B-B8FE19563AD6}" type="datetimeFigureOut">
               <a:rPr lang="en-US" smtClean="0"/>
-              <a:t>2/17/2015</a:t>
+              <a:t>10/1/2016</a:t>
             </a:fld>
             <a:endParaRPr lang="en-US"/>
           </a:p>
@@ -1055,7 +1072,7 @@
           <a:p>
             <a:fld id="{A3D4263D-D8FD-41A1-B34B-B8FE19563AD6}" type="datetimeFigureOut">
               <a:rPr lang="en-US" smtClean="0"/>
-              <a:t>2/17/2015</a:t>
+              <a:t>10/1/2016</a:t>
             </a:fld>
             <a:endParaRPr lang="en-US"/>
           </a:p>
@@ -1343,7 +1360,7 @@
           <a:p>
             <a:fld id="{A3D4263D-D8FD-41A1-B34B-B8FE19563AD6}" type="datetimeFigureOut">
               <a:rPr lang="en-US" smtClean="0"/>
-              <a:t>2/17/2015</a:t>
+              <a:t>10/1/2016</a:t>
             </a:fld>
             <a:endParaRPr lang="en-US"/>
           </a:p>
@@ -1770,7 +1787,7 @@
           <a:p>
             <a:fld id="{A3D4263D-D8FD-41A1-B34B-B8FE19563AD6}" type="datetimeFigureOut">
               <a:rPr lang="en-US" smtClean="0"/>
-              <a:t>2/17/2015</a:t>
+              <a:t>10/1/2016</a:t>
             </a:fld>
             <a:endParaRPr lang="en-US"/>
           </a:p>
@@ -1888,7 +1905,7 @@
           <a:p>
             <a:fld id="{A3D4263D-D8FD-41A1-B34B-B8FE19563AD6}" type="datetimeFigureOut">
               <a:rPr lang="en-US" smtClean="0"/>
-              <a:t>2/17/2015</a:t>
+              <a:t>10/1/2016</a:t>
             </a:fld>
             <a:endParaRPr lang="en-US"/>
           </a:p>
@@ -1983,7 +2000,7 @@
           <a:p>
             <a:fld id="{A3D4263D-D8FD-41A1-B34B-B8FE19563AD6}" type="datetimeFigureOut">
               <a:rPr lang="en-US" smtClean="0"/>
-              <a:t>2/17/2015</a:t>
+              <a:t>10/1/2016</a:t>
             </a:fld>
             <a:endParaRPr lang="en-US"/>
           </a:p>
@@ -2260,7 +2277,7 @@
           <a:p>
             <a:fld id="{A3D4263D-D8FD-41A1-B34B-B8FE19563AD6}" type="datetimeFigureOut">
               <a:rPr lang="en-US" smtClean="0"/>
-              <a:t>2/17/2015</a:t>
+              <a:t>10/1/2016</a:t>
             </a:fld>
             <a:endParaRPr lang="en-US"/>
           </a:p>
@@ -2513,7 +2530,7 @@
           <a:p>
             <a:fld id="{A3D4263D-D8FD-41A1-B34B-B8FE19563AD6}" type="datetimeFigureOut">
               <a:rPr lang="en-US" smtClean="0"/>
-              <a:t>2/17/2015</a:t>
+              <a:t>10/1/2016</a:t>
             </a:fld>
             <a:endParaRPr lang="en-US"/>
           </a:p>
@@ -2726,7 +2743,7 @@
           <a:p>
             <a:fld id="{A3D4263D-D8FD-41A1-B34B-B8FE19563AD6}" type="datetimeFigureOut">
               <a:rPr lang="en-US" smtClean="0"/>
-              <a:t>2/17/2015</a:t>
+              <a:t>10/1/2016</a:t>
             </a:fld>
             <a:endParaRPr lang="en-US"/>
           </a:p>
@@ -4041,6 +4058,941 @@
           <a:chExt cx="0" cy="0"/>
         </a:xfrm>
       </p:grpSpPr>
+      <p:pic>
+        <p:nvPicPr>
+          <p:cNvPr id="63" name="Picture 2"/>
+          <p:cNvPicPr>
+            <a:picLocks noChangeArrowheads="1"/>
+          </p:cNvPicPr>
+          <p:nvPr/>
+        </p:nvPicPr>
+        <p:blipFill>
+          <a:blip r:embed="rId2">
+            <a:extLst>
+              <a:ext uri="{28A0092B-C50C-407E-A947-70E740481C1C}">
+                <a14:useLocalDpi xmlns:a14="http://schemas.microsoft.com/office/drawing/2010/main" val="0"/>
+              </a:ext>
+            </a:extLst>
+          </a:blip>
+          <a:srcRect/>
+          <a:stretch>
+            <a:fillRect/>
+          </a:stretch>
+        </p:blipFill>
+        <p:spPr bwMode="auto">
+          <a:xfrm>
+            <a:off x="-25791" y="-30319"/>
+            <a:ext cx="9320987" cy="944719"/>
+          </a:xfrm>
+          <a:prstGeom prst="rect">
+            <a:avLst/>
+          </a:prstGeom>
+          <a:noFill/>
+          <a:ln>
+            <a:noFill/>
+          </a:ln>
+          <a:extLst>
+            <a:ext uri="{909E8E84-426E-40DD-AFC4-6F175D3DCCD1}">
+              <a14:hiddenFill xmlns:a14="http://schemas.microsoft.com/office/drawing/2010/main">
+                <a:solidFill>
+                  <a:schemeClr val="accent1"/>
+                </a:solidFill>
+              </a14:hiddenFill>
+            </a:ext>
+            <a:ext uri="{91240B29-F687-4F45-9708-019B960494DF}">
+              <a14:hiddenLine xmlns:a14="http://schemas.microsoft.com/office/drawing/2010/main" w="9525">
+                <a:solidFill>
+                  <a:schemeClr val="tx1"/>
+                </a:solidFill>
+                <a:miter lim="800000"/>
+                <a:headEnd/>
+                <a:tailEnd/>
+              </a14:hiddenLine>
+            </a:ext>
+          </a:extLst>
+        </p:spPr>
+      </p:pic>
+      <p:grpSp>
+        <p:nvGrpSpPr>
+          <p:cNvPr id="64" name="Group 63"/>
+          <p:cNvGrpSpPr>
+            <a:grpSpLocks noChangeAspect="1"/>
+          </p:cNvGrpSpPr>
+          <p:nvPr/>
+        </p:nvGrpSpPr>
+        <p:grpSpPr>
+          <a:xfrm>
+            <a:off x="122237" y="0"/>
+            <a:ext cx="1399452" cy="914400"/>
+            <a:chOff x="304800" y="61119"/>
+            <a:chExt cx="1905000" cy="1379040"/>
+          </a:xfrm>
+        </p:grpSpPr>
+        <p:pic>
+          <p:nvPicPr>
+            <p:cNvPr id="65" name="Picture 2" descr="http://www.clker.com/cliparts/z/O/k/Q/B/f/eye-for-logo-hi.png"/>
+            <p:cNvPicPr>
+              <a:picLocks noChangeAspect="1" noChangeArrowheads="1"/>
+            </p:cNvPicPr>
+            <p:nvPr/>
+          </p:nvPicPr>
+          <p:blipFill rotWithShape="1">
+            <a:blip r:embed="rId3" cstate="print">
+              <a:clrChange>
+                <a:clrFrom>
+                  <a:srgbClr val="FFFFFF"/>
+                </a:clrFrom>
+                <a:clrTo>
+                  <a:srgbClr val="FFFFFF">
+                    <a:alpha val="0"/>
+                  </a:srgbClr>
+                </a:clrTo>
+              </a:clrChange>
+              <a:duotone>
+                <a:schemeClr val="accent1">
+                  <a:shade val="45000"/>
+                  <a:satMod val="135000"/>
+                </a:schemeClr>
+                <a:prstClr val="white"/>
+              </a:duotone>
+              <a:extLst>
+                <a:ext uri="{BEBA8EAE-BF5A-486C-A8C5-ECC9F3942E4B}">
+                  <a14:imgProps xmlns:a14="http://schemas.microsoft.com/office/drawing/2010/main">
+                    <a14:imgLayer r:embed="rId4">
+                      <a14:imgEffect>
+                        <a14:sharpenSoften amount="-50000"/>
+                      </a14:imgEffect>
+                    </a14:imgLayer>
+                  </a14:imgProps>
+                </a:ext>
+                <a:ext uri="{28A0092B-C50C-407E-A947-70E740481C1C}">
+                  <a14:useLocalDpi xmlns:a14="http://schemas.microsoft.com/office/drawing/2010/main" val="0"/>
+                </a:ext>
+              </a:extLst>
+            </a:blip>
+            <a:srcRect t="7944" b="11621"/>
+            <a:stretch/>
+          </p:blipFill>
+          <p:spPr bwMode="auto">
+            <a:xfrm>
+              <a:off x="304800" y="61119"/>
+              <a:ext cx="1905000" cy="1379040"/>
+            </a:xfrm>
+            <a:prstGeom prst="rect">
+              <a:avLst/>
+            </a:prstGeom>
+            <a:noFill/>
+            <a:extLst>
+              <a:ext uri="{909E8E84-426E-40DD-AFC4-6F175D3DCCD1}">
+                <a14:hiddenFill xmlns:a14="http://schemas.microsoft.com/office/drawing/2010/main">
+                  <a:solidFill>
+                    <a:srgbClr val="FFFFFF"/>
+                  </a:solidFill>
+                </a14:hiddenFill>
+              </a:ext>
+            </a:extLst>
+          </p:spPr>
+        </p:pic>
+        <p:sp>
+          <p:nvSpPr>
+            <p:cNvPr id="66" name="Oval 65"/>
+            <p:cNvSpPr/>
+            <p:nvPr/>
+          </p:nvSpPr>
+          <p:spPr>
+            <a:xfrm>
+              <a:off x="705110" y="259086"/>
+              <a:ext cx="963386" cy="914400"/>
+            </a:xfrm>
+            <a:prstGeom prst="ellipse">
+              <a:avLst/>
+            </a:prstGeom>
+            <a:solidFill>
+              <a:schemeClr val="accent1">
+                <a:lumMod val="75000"/>
+              </a:schemeClr>
+            </a:solidFill>
+            <a:ln>
+              <a:noFill/>
+            </a:ln>
+          </p:spPr>
+          <p:style>
+            <a:lnRef idx="2">
+              <a:schemeClr val="accent1">
+                <a:shade val="50000"/>
+              </a:schemeClr>
+            </a:lnRef>
+            <a:fillRef idx="1">
+              <a:schemeClr val="accent1"/>
+            </a:fillRef>
+            <a:effectRef idx="0">
+              <a:schemeClr val="accent1"/>
+            </a:effectRef>
+            <a:fontRef idx="minor">
+              <a:schemeClr val="lt1"/>
+            </a:fontRef>
+          </p:style>
+          <p:txBody>
+            <a:bodyPr rtlCol="0" anchor="ctr"/>
+            <a:lstStyle/>
+            <a:p>
+              <a:pPr algn="ctr"/>
+              <a:endParaRPr lang="en-US"/>
+            </a:p>
+          </p:txBody>
+        </p:sp>
+        <p:grpSp>
+          <p:nvGrpSpPr>
+            <p:cNvPr id="67" name="Group 66"/>
+            <p:cNvGrpSpPr/>
+            <p:nvPr/>
+          </p:nvGrpSpPr>
+          <p:grpSpPr>
+            <a:xfrm>
+              <a:off x="784554" y="518319"/>
+              <a:ext cx="739446" cy="481808"/>
+              <a:chOff x="3048000" y="1676400"/>
+              <a:chExt cx="889689" cy="597102"/>
+            </a:xfrm>
+            <a:solidFill>
+              <a:schemeClr val="bg1"/>
+            </a:solidFill>
+          </p:grpSpPr>
+          <p:sp>
+            <p:nvSpPr>
+              <p:cNvPr id="68" name="Oval 67"/>
+              <p:cNvSpPr/>
+              <p:nvPr/>
+            </p:nvSpPr>
+            <p:spPr>
+              <a:xfrm>
+                <a:off x="3048000" y="1905000"/>
+                <a:ext cx="114300" cy="114300"/>
+              </a:xfrm>
+              <a:prstGeom prst="ellipse">
+                <a:avLst/>
+              </a:prstGeom>
+              <a:grpFill/>
+              <a:ln>
+                <a:solidFill>
+                  <a:schemeClr val="bg1"/>
+                </a:solidFill>
+              </a:ln>
+            </p:spPr>
+            <p:style>
+              <a:lnRef idx="2">
+                <a:schemeClr val="dk1"/>
+              </a:lnRef>
+              <a:fillRef idx="1">
+                <a:schemeClr val="lt1"/>
+              </a:fillRef>
+              <a:effectRef idx="0">
+                <a:schemeClr val="dk1"/>
+              </a:effectRef>
+              <a:fontRef idx="minor">
+                <a:schemeClr val="dk1"/>
+              </a:fontRef>
+            </p:style>
+            <p:txBody>
+              <a:bodyPr rtlCol="0" anchor="ctr"/>
+              <a:lstStyle/>
+              <a:p>
+                <a:pPr algn="ctr"/>
+                <a:endParaRPr lang="en-US"/>
+              </a:p>
+            </p:txBody>
+          </p:sp>
+          <p:cxnSp>
+            <p:nvCxnSpPr>
+              <p:cNvPr id="69" name="Straight Connector 68"/>
+              <p:cNvCxnSpPr>
+                <a:stCxn id="68" idx="6"/>
+              </p:cNvCxnSpPr>
+              <p:nvPr/>
+            </p:nvCxnSpPr>
+            <p:spPr>
+              <a:xfrm>
+                <a:off x="3162300" y="1962150"/>
+                <a:ext cx="190500" cy="0"/>
+              </a:xfrm>
+              <a:prstGeom prst="line">
+                <a:avLst/>
+              </a:prstGeom>
+              <a:grpFill/>
+              <a:ln>
+                <a:solidFill>
+                  <a:schemeClr val="bg1"/>
+                </a:solidFill>
+              </a:ln>
+            </p:spPr>
+            <p:style>
+              <a:lnRef idx="2">
+                <a:schemeClr val="dk1"/>
+              </a:lnRef>
+              <a:fillRef idx="1">
+                <a:schemeClr val="lt1"/>
+              </a:fillRef>
+              <a:effectRef idx="0">
+                <a:schemeClr val="dk1"/>
+              </a:effectRef>
+              <a:fontRef idx="minor">
+                <a:schemeClr val="dk1"/>
+              </a:fontRef>
+            </p:style>
+          </p:cxnSp>
+          <p:sp>
+            <p:nvSpPr>
+              <p:cNvPr id="70" name="Oval 69"/>
+              <p:cNvSpPr/>
+              <p:nvPr/>
+            </p:nvSpPr>
+            <p:spPr>
+              <a:xfrm>
+                <a:off x="3352800" y="1905000"/>
+                <a:ext cx="114300" cy="114300"/>
+              </a:xfrm>
+              <a:prstGeom prst="ellipse">
+                <a:avLst/>
+              </a:prstGeom>
+              <a:grpFill/>
+              <a:ln>
+                <a:solidFill>
+                  <a:schemeClr val="bg1"/>
+                </a:solidFill>
+              </a:ln>
+            </p:spPr>
+            <p:style>
+              <a:lnRef idx="2">
+                <a:schemeClr val="dk1"/>
+              </a:lnRef>
+              <a:fillRef idx="1">
+                <a:schemeClr val="lt1"/>
+              </a:fillRef>
+              <a:effectRef idx="0">
+                <a:schemeClr val="dk1"/>
+              </a:effectRef>
+              <a:fontRef idx="minor">
+                <a:schemeClr val="dk1"/>
+              </a:fontRef>
+            </p:style>
+            <p:txBody>
+              <a:bodyPr rtlCol="0" anchor="ctr"/>
+              <a:lstStyle/>
+              <a:p>
+                <a:pPr algn="ctr"/>
+                <a:endParaRPr lang="en-US"/>
+              </a:p>
+            </p:txBody>
+          </p:sp>
+          <p:sp>
+            <p:nvSpPr>
+              <p:cNvPr id="71" name="Oval 70"/>
+              <p:cNvSpPr/>
+              <p:nvPr/>
+            </p:nvSpPr>
+            <p:spPr>
+              <a:xfrm>
+                <a:off x="3322429" y="2159202"/>
+                <a:ext cx="114300" cy="114300"/>
+              </a:xfrm>
+              <a:prstGeom prst="ellipse">
+                <a:avLst/>
+              </a:prstGeom>
+              <a:grpFill/>
+              <a:ln>
+                <a:solidFill>
+                  <a:schemeClr val="bg1"/>
+                </a:solidFill>
+              </a:ln>
+            </p:spPr>
+            <p:style>
+              <a:lnRef idx="2">
+                <a:schemeClr val="dk1"/>
+              </a:lnRef>
+              <a:fillRef idx="1">
+                <a:schemeClr val="lt1"/>
+              </a:fillRef>
+              <a:effectRef idx="0">
+                <a:schemeClr val="dk1"/>
+              </a:effectRef>
+              <a:fontRef idx="minor">
+                <a:schemeClr val="dk1"/>
+              </a:fontRef>
+            </p:style>
+            <p:txBody>
+              <a:bodyPr rtlCol="0" anchor="ctr"/>
+              <a:lstStyle/>
+              <a:p>
+                <a:pPr algn="ctr"/>
+                <a:endParaRPr lang="en-US"/>
+              </a:p>
+            </p:txBody>
+          </p:sp>
+          <p:cxnSp>
+            <p:nvCxnSpPr>
+              <p:cNvPr id="72" name="Straight Connector 71"/>
+              <p:cNvCxnSpPr>
+                <a:stCxn id="71" idx="6"/>
+              </p:cNvCxnSpPr>
+              <p:nvPr/>
+            </p:nvCxnSpPr>
+            <p:spPr>
+              <a:xfrm>
+                <a:off x="3436729" y="2216352"/>
+                <a:ext cx="190500" cy="0"/>
+              </a:xfrm>
+              <a:prstGeom prst="line">
+                <a:avLst/>
+              </a:prstGeom>
+              <a:grpFill/>
+              <a:ln>
+                <a:solidFill>
+                  <a:schemeClr val="bg1"/>
+                </a:solidFill>
+              </a:ln>
+            </p:spPr>
+            <p:style>
+              <a:lnRef idx="2">
+                <a:schemeClr val="dk1"/>
+              </a:lnRef>
+              <a:fillRef idx="1">
+                <a:schemeClr val="lt1"/>
+              </a:fillRef>
+              <a:effectRef idx="0">
+                <a:schemeClr val="dk1"/>
+              </a:effectRef>
+              <a:fontRef idx="minor">
+                <a:schemeClr val="dk1"/>
+              </a:fontRef>
+            </p:style>
+          </p:cxnSp>
+          <p:sp>
+            <p:nvSpPr>
+              <p:cNvPr id="73" name="Oval 72"/>
+              <p:cNvSpPr/>
+              <p:nvPr/>
+            </p:nvSpPr>
+            <p:spPr>
+              <a:xfrm>
+                <a:off x="3627228" y="2159202"/>
+                <a:ext cx="114300" cy="114300"/>
+              </a:xfrm>
+              <a:prstGeom prst="ellipse">
+                <a:avLst/>
+              </a:prstGeom>
+              <a:grpFill/>
+              <a:ln>
+                <a:solidFill>
+                  <a:schemeClr val="bg1"/>
+                </a:solidFill>
+              </a:ln>
+            </p:spPr>
+            <p:style>
+              <a:lnRef idx="2">
+                <a:schemeClr val="dk1"/>
+              </a:lnRef>
+              <a:fillRef idx="1">
+                <a:schemeClr val="lt1"/>
+              </a:fillRef>
+              <a:effectRef idx="0">
+                <a:schemeClr val="dk1"/>
+              </a:effectRef>
+              <a:fontRef idx="minor">
+                <a:schemeClr val="dk1"/>
+              </a:fontRef>
+            </p:style>
+            <p:txBody>
+              <a:bodyPr rtlCol="0" anchor="ctr"/>
+              <a:lstStyle/>
+              <a:p>
+                <a:pPr algn="ctr"/>
+                <a:endParaRPr lang="en-US"/>
+              </a:p>
+            </p:txBody>
+          </p:sp>
+          <p:sp>
+            <p:nvSpPr>
+              <p:cNvPr id="74" name="Oval 73"/>
+              <p:cNvSpPr/>
+              <p:nvPr/>
+            </p:nvSpPr>
+            <p:spPr>
+              <a:xfrm>
+                <a:off x="3238500" y="1676400"/>
+                <a:ext cx="114300" cy="114300"/>
+              </a:xfrm>
+              <a:prstGeom prst="ellipse">
+                <a:avLst/>
+              </a:prstGeom>
+              <a:grpFill/>
+              <a:ln>
+                <a:solidFill>
+                  <a:schemeClr val="bg1"/>
+                </a:solidFill>
+              </a:ln>
+            </p:spPr>
+            <p:style>
+              <a:lnRef idx="2">
+                <a:schemeClr val="dk1"/>
+              </a:lnRef>
+              <a:fillRef idx="1">
+                <a:schemeClr val="lt1"/>
+              </a:fillRef>
+              <a:effectRef idx="0">
+                <a:schemeClr val="dk1"/>
+              </a:effectRef>
+              <a:fontRef idx="minor">
+                <a:schemeClr val="dk1"/>
+              </a:fontRef>
+            </p:style>
+            <p:txBody>
+              <a:bodyPr rtlCol="0" anchor="ctr"/>
+              <a:lstStyle/>
+              <a:p>
+                <a:pPr algn="ctr"/>
+                <a:endParaRPr lang="en-US"/>
+              </a:p>
+            </p:txBody>
+          </p:sp>
+          <p:cxnSp>
+            <p:nvCxnSpPr>
+              <p:cNvPr id="75" name="Straight Connector 74"/>
+              <p:cNvCxnSpPr>
+                <a:stCxn id="74" idx="6"/>
+              </p:cNvCxnSpPr>
+              <p:nvPr/>
+            </p:nvCxnSpPr>
+            <p:spPr>
+              <a:xfrm>
+                <a:off x="3352800" y="1733550"/>
+                <a:ext cx="190500" cy="0"/>
+              </a:xfrm>
+              <a:prstGeom prst="line">
+                <a:avLst/>
+              </a:prstGeom>
+              <a:grpFill/>
+              <a:ln>
+                <a:solidFill>
+                  <a:schemeClr val="bg1"/>
+                </a:solidFill>
+              </a:ln>
+            </p:spPr>
+            <p:style>
+              <a:lnRef idx="2">
+                <a:schemeClr val="dk1"/>
+              </a:lnRef>
+              <a:fillRef idx="1">
+                <a:schemeClr val="lt1"/>
+              </a:fillRef>
+              <a:effectRef idx="0">
+                <a:schemeClr val="dk1"/>
+              </a:effectRef>
+              <a:fontRef idx="minor">
+                <a:schemeClr val="dk1"/>
+              </a:fontRef>
+            </p:style>
+          </p:cxnSp>
+          <p:sp>
+            <p:nvSpPr>
+              <p:cNvPr id="76" name="Oval 75"/>
+              <p:cNvSpPr/>
+              <p:nvPr/>
+            </p:nvSpPr>
+            <p:spPr>
+              <a:xfrm>
+                <a:off x="3543300" y="1676400"/>
+                <a:ext cx="114300" cy="114300"/>
+              </a:xfrm>
+              <a:prstGeom prst="ellipse">
+                <a:avLst/>
+              </a:prstGeom>
+              <a:grpFill/>
+              <a:ln>
+                <a:solidFill>
+                  <a:schemeClr val="bg1"/>
+                </a:solidFill>
+              </a:ln>
+            </p:spPr>
+            <p:style>
+              <a:lnRef idx="2">
+                <a:schemeClr val="dk1"/>
+              </a:lnRef>
+              <a:fillRef idx="1">
+                <a:schemeClr val="lt1"/>
+              </a:fillRef>
+              <a:effectRef idx="0">
+                <a:schemeClr val="dk1"/>
+              </a:effectRef>
+              <a:fontRef idx="minor">
+                <a:schemeClr val="dk1"/>
+              </a:fontRef>
+            </p:style>
+            <p:txBody>
+              <a:bodyPr rtlCol="0" anchor="ctr"/>
+              <a:lstStyle/>
+              <a:p>
+                <a:pPr algn="ctr"/>
+                <a:endParaRPr lang="en-US"/>
+              </a:p>
+            </p:txBody>
+          </p:sp>
+          <p:sp>
+            <p:nvSpPr>
+              <p:cNvPr id="77" name="Oval 76"/>
+              <p:cNvSpPr/>
+              <p:nvPr/>
+            </p:nvSpPr>
+            <p:spPr>
+              <a:xfrm>
+                <a:off x="3657600" y="1905000"/>
+                <a:ext cx="114300" cy="114300"/>
+              </a:xfrm>
+              <a:prstGeom prst="ellipse">
+                <a:avLst/>
+              </a:prstGeom>
+              <a:grpFill/>
+              <a:ln>
+                <a:solidFill>
+                  <a:schemeClr val="bg1"/>
+                </a:solidFill>
+              </a:ln>
+            </p:spPr>
+            <p:style>
+              <a:lnRef idx="2">
+                <a:schemeClr val="dk1"/>
+              </a:lnRef>
+              <a:fillRef idx="1">
+                <a:schemeClr val="lt1"/>
+              </a:fillRef>
+              <a:effectRef idx="0">
+                <a:schemeClr val="dk1"/>
+              </a:effectRef>
+              <a:fontRef idx="minor">
+                <a:schemeClr val="dk1"/>
+              </a:fontRef>
+            </p:style>
+            <p:txBody>
+              <a:bodyPr rtlCol="0" anchor="ctr"/>
+              <a:lstStyle/>
+              <a:p>
+                <a:pPr algn="ctr"/>
+                <a:endParaRPr lang="en-US"/>
+              </a:p>
+            </p:txBody>
+          </p:sp>
+          <p:cxnSp>
+            <p:nvCxnSpPr>
+              <p:cNvPr id="78" name="Straight Connector 77"/>
+              <p:cNvCxnSpPr>
+                <a:stCxn id="77" idx="7"/>
+                <a:endCxn id="79" idx="4"/>
+              </p:cNvCxnSpPr>
+              <p:nvPr/>
+            </p:nvCxnSpPr>
+            <p:spPr>
+              <a:xfrm flipV="1">
+                <a:off x="3755161" y="1790700"/>
+                <a:ext cx="125378" cy="131039"/>
+              </a:xfrm>
+              <a:prstGeom prst="line">
+                <a:avLst/>
+              </a:prstGeom>
+              <a:grpFill/>
+              <a:ln>
+                <a:solidFill>
+                  <a:schemeClr val="bg1"/>
+                </a:solidFill>
+              </a:ln>
+            </p:spPr>
+            <p:style>
+              <a:lnRef idx="2">
+                <a:schemeClr val="dk1"/>
+              </a:lnRef>
+              <a:fillRef idx="1">
+                <a:schemeClr val="lt1"/>
+              </a:fillRef>
+              <a:effectRef idx="0">
+                <a:schemeClr val="dk1"/>
+              </a:effectRef>
+              <a:fontRef idx="minor">
+                <a:schemeClr val="dk1"/>
+              </a:fontRef>
+            </p:style>
+          </p:cxnSp>
+          <p:sp>
+            <p:nvSpPr>
+              <p:cNvPr id="79" name="Oval 78"/>
+              <p:cNvSpPr/>
+              <p:nvPr/>
+            </p:nvSpPr>
+            <p:spPr>
+              <a:xfrm>
+                <a:off x="3823389" y="1676400"/>
+                <a:ext cx="114300" cy="114300"/>
+              </a:xfrm>
+              <a:prstGeom prst="ellipse">
+                <a:avLst/>
+              </a:prstGeom>
+              <a:grpFill/>
+              <a:ln>
+                <a:solidFill>
+                  <a:schemeClr val="bg1"/>
+                </a:solidFill>
+              </a:ln>
+            </p:spPr>
+            <p:style>
+              <a:lnRef idx="2">
+                <a:schemeClr val="dk1"/>
+              </a:lnRef>
+              <a:fillRef idx="1">
+                <a:schemeClr val="lt1"/>
+              </a:fillRef>
+              <a:effectRef idx="0">
+                <a:schemeClr val="dk1"/>
+              </a:effectRef>
+              <a:fontRef idx="minor">
+                <a:schemeClr val="dk1"/>
+              </a:fontRef>
+            </p:style>
+            <p:txBody>
+              <a:bodyPr rtlCol="0" anchor="ctr"/>
+              <a:lstStyle/>
+              <a:p>
+                <a:pPr algn="ctr"/>
+                <a:endParaRPr lang="en-US"/>
+              </a:p>
+            </p:txBody>
+          </p:sp>
+          <p:cxnSp>
+            <p:nvCxnSpPr>
+              <p:cNvPr id="80" name="Straight Connector 79"/>
+              <p:cNvCxnSpPr>
+                <a:stCxn id="76" idx="5"/>
+                <a:endCxn id="77" idx="1"/>
+              </p:cNvCxnSpPr>
+              <p:nvPr/>
+            </p:nvCxnSpPr>
+            <p:spPr>
+              <a:xfrm>
+                <a:off x="3640861" y="1773961"/>
+                <a:ext cx="33478" cy="147778"/>
+              </a:xfrm>
+              <a:prstGeom prst="line">
+                <a:avLst/>
+              </a:prstGeom>
+              <a:grpFill/>
+              <a:ln>
+                <a:solidFill>
+                  <a:schemeClr val="bg1"/>
+                </a:solidFill>
+              </a:ln>
+            </p:spPr>
+            <p:style>
+              <a:lnRef idx="2">
+                <a:schemeClr val="dk1"/>
+              </a:lnRef>
+              <a:fillRef idx="1">
+                <a:schemeClr val="lt1"/>
+              </a:fillRef>
+              <a:effectRef idx="0">
+                <a:schemeClr val="dk1"/>
+              </a:effectRef>
+              <a:fontRef idx="minor">
+                <a:schemeClr val="dk1"/>
+              </a:fontRef>
+            </p:style>
+          </p:cxnSp>
+          <p:cxnSp>
+            <p:nvCxnSpPr>
+              <p:cNvPr id="81" name="Straight Connector 80"/>
+              <p:cNvCxnSpPr>
+                <a:stCxn id="76" idx="3"/>
+                <a:endCxn id="70" idx="7"/>
+              </p:cNvCxnSpPr>
+              <p:nvPr/>
+            </p:nvCxnSpPr>
+            <p:spPr>
+              <a:xfrm flipH="1">
+                <a:off x="3450361" y="1773961"/>
+                <a:ext cx="109678" cy="147778"/>
+              </a:xfrm>
+              <a:prstGeom prst="line">
+                <a:avLst/>
+              </a:prstGeom>
+              <a:grpFill/>
+              <a:ln>
+                <a:solidFill>
+                  <a:schemeClr val="bg1"/>
+                </a:solidFill>
+              </a:ln>
+            </p:spPr>
+            <p:style>
+              <a:lnRef idx="2">
+                <a:schemeClr val="dk1"/>
+              </a:lnRef>
+              <a:fillRef idx="1">
+                <a:schemeClr val="lt1"/>
+              </a:fillRef>
+              <a:effectRef idx="0">
+                <a:schemeClr val="dk1"/>
+              </a:effectRef>
+              <a:fontRef idx="minor">
+                <a:schemeClr val="dk1"/>
+              </a:fontRef>
+            </p:style>
+          </p:cxnSp>
+          <p:cxnSp>
+            <p:nvCxnSpPr>
+              <p:cNvPr id="82" name="Straight Connector 81"/>
+              <p:cNvCxnSpPr>
+                <a:stCxn id="71" idx="1"/>
+                <a:endCxn id="68" idx="4"/>
+              </p:cNvCxnSpPr>
+              <p:nvPr/>
+            </p:nvCxnSpPr>
+            <p:spPr>
+              <a:xfrm flipH="1" flipV="1">
+                <a:off x="3105150" y="2019300"/>
+                <a:ext cx="234018" cy="156640"/>
+              </a:xfrm>
+              <a:prstGeom prst="line">
+                <a:avLst/>
+              </a:prstGeom>
+              <a:grpFill/>
+              <a:ln>
+                <a:solidFill>
+                  <a:schemeClr val="bg1"/>
+                </a:solidFill>
+              </a:ln>
+            </p:spPr>
+            <p:style>
+              <a:lnRef idx="2">
+                <a:schemeClr val="dk1"/>
+              </a:lnRef>
+              <a:fillRef idx="1">
+                <a:schemeClr val="lt1"/>
+              </a:fillRef>
+              <a:effectRef idx="0">
+                <a:schemeClr val="dk1"/>
+              </a:effectRef>
+              <a:fontRef idx="minor">
+                <a:schemeClr val="dk1"/>
+              </a:fontRef>
+            </p:style>
+          </p:cxnSp>
+        </p:grpSp>
+      </p:grpSp>
+      <p:sp>
+        <p:nvSpPr>
+          <p:cNvPr id="83" name="TextBox 82"/>
+          <p:cNvSpPr txBox="1"/>
+          <p:nvPr/>
+        </p:nvSpPr>
+        <p:spPr>
+          <a:xfrm>
+            <a:off x="1524000" y="158352"/>
+            <a:ext cx="7771196" cy="603648"/>
+          </a:xfrm>
+          <a:prstGeom prst="rect">
+            <a:avLst/>
+          </a:prstGeom>
+          <a:noFill/>
+        </p:spPr>
+        <p:txBody>
+          <a:bodyPr wrap="square" lIns="110130" tIns="55065" rIns="110130" bIns="55065" rtlCol="0">
+            <a:spAutoFit/>
+          </a:bodyPr>
+          <a:lstStyle/>
+          <a:p>
+            <a:r>
+              <a:rPr lang="en-US" sz="3200" b="1" dirty="0">
+                <a:solidFill>
+                  <a:schemeClr val="accent1">
+                    <a:lumMod val="75000"/>
+                  </a:schemeClr>
+                </a:solidFill>
+                <a:latin typeface="Tahoma" panose="020B0604030504040204" pitchFamily="34" charset="0"/>
+                <a:ea typeface="Tahoma" panose="020B0604030504040204" pitchFamily="34" charset="0"/>
+                <a:cs typeface="Tahoma" panose="020B0604030504040204" pitchFamily="34" charset="0"/>
+              </a:rPr>
+              <a:t>Computer Vision and </a:t>
+            </a:r>
+            <a:r>
+              <a:rPr lang="en-US" sz="3200" b="1" dirty="0" smtClean="0">
+                <a:solidFill>
+                  <a:schemeClr val="accent1">
+                    <a:lumMod val="75000"/>
+                  </a:schemeClr>
+                </a:solidFill>
+                <a:latin typeface="Tahoma" panose="020B0604030504040204" pitchFamily="34" charset="0"/>
+                <a:ea typeface="Tahoma" panose="020B0604030504040204" pitchFamily="34" charset="0"/>
+                <a:cs typeface="Tahoma" panose="020B0604030504040204" pitchFamily="34" charset="0"/>
+              </a:rPr>
+              <a:t>Learning </a:t>
+            </a:r>
+            <a:r>
+              <a:rPr lang="en-US" sz="3200" b="1" dirty="0" smtClean="0">
+                <a:solidFill>
+                  <a:schemeClr val="accent1">
+                    <a:lumMod val="75000"/>
+                  </a:schemeClr>
+                </a:solidFill>
+                <a:latin typeface="Tahoma" panose="020B0604030504040204" pitchFamily="34" charset="0"/>
+                <a:ea typeface="Tahoma" panose="020B0604030504040204" pitchFamily="34" charset="0"/>
+                <a:cs typeface="Tahoma" panose="020B0604030504040204" pitchFamily="34" charset="0"/>
+              </a:rPr>
+              <a:t>Group</a:t>
+            </a:r>
+            <a:endParaRPr lang="en-US" sz="3200" b="1" dirty="0">
+              <a:solidFill>
+                <a:schemeClr val="accent1">
+                  <a:lumMod val="75000"/>
+                </a:schemeClr>
+              </a:solidFill>
+              <a:latin typeface="Tahoma" panose="020B0604030504040204" pitchFamily="34" charset="0"/>
+              <a:ea typeface="Tahoma" panose="020B0604030504040204" pitchFamily="34" charset="0"/>
+              <a:cs typeface="Tahoma" panose="020B0604030504040204" pitchFamily="34" charset="0"/>
+            </a:endParaRPr>
+          </a:p>
+        </p:txBody>
+      </p:sp>
+    </p:spTree>
+    <p:extLst>
+      <p:ext uri="{BB962C8B-B14F-4D97-AF65-F5344CB8AC3E}">
+        <p14:creationId xmlns:p14="http://schemas.microsoft.com/office/powerpoint/2010/main" val="179751252"/>
+      </p:ext>
+    </p:extLst>
+  </p:cSld>
+  <p:clrMapOvr>
+    <a:masterClrMapping/>
+  </p:clrMapOvr>
+  <p:timing>
+    <p:tnLst>
+      <p:par>
+        <p:cTn id="1" dur="indefinite" restart="never" nodeType="tmRoot"/>
+      </p:par>
+    </p:tnLst>
+  </p:timing>
+</p:sld>
+</file>
+
+<file path=ppt/slides/slide3.xml><?xml version="1.0" encoding="utf-8"?>
+<p:sld xmlns:a="http://schemas.openxmlformats.org/drawingml/2006/main" xmlns:r="http://schemas.openxmlformats.org/officeDocument/2006/relationships" xmlns:p="http://schemas.openxmlformats.org/presentationml/2006/main">
+  <p:cSld>
+    <p:spTree>
+      <p:nvGrpSpPr>
+        <p:cNvPr id="1" name=""/>
+        <p:cNvGrpSpPr/>
+        <p:nvPr/>
+      </p:nvGrpSpPr>
+      <p:grpSpPr>
+        <a:xfrm>
+          <a:off x="0" y="0"/>
+          <a:ext cx="0" cy="0"/>
+          <a:chOff x="0" y="0"/>
+          <a:chExt cx="0" cy="0"/>
+        </a:xfrm>
+      </p:grpSpPr>
       <p:grpSp>
         <p:nvGrpSpPr>
           <p:cNvPr id="23" name="Group 22"/>
